--- a/_Documentation/präsentation.pptx
+++ b/_Documentation/präsentation.pptx
@@ -19685,7 +19685,7 @@
             <a:pPr algn="ctr"/>
             <a:r>
               <a:rPr lang="de-DE" sz="800" dirty="0"/>
-              <a:t>Konsument </a:t>
+              <a:t>Teilnehmer</a:t>
             </a:r>
           </a:p>
         </p:txBody>
@@ -21790,22 +21790,6 @@
             <a:noAutofit/>
           </a:bodyPr>
           <a:lstStyle/>
-          <a:p>
-            <a:pPr marL="457200" lvl="0" indent="-317500" algn="l" rtl="0">
-              <a:spcBef>
-                <a:spcPts val="0"/>
-              </a:spcBef>
-              <a:spcAft>
-                <a:spcPts val="0"/>
-              </a:spcAft>
-              <a:buSzPts val="1400"/>
-              <a:buChar char="●"/>
-            </a:pPr>
-            <a:r>
-              <a:rPr lang="de-CH" dirty="0"/>
-              <a:t>Herausforderung </a:t>
-            </a:r>
-          </a:p>
           <a:p>
             <a:pPr marL="457200" lvl="0" indent="-317500" algn="l" rtl="0">
               <a:spcBef>
@@ -33013,13 +32997,6 @@
             </a:r>
           </a:p>
           <a:p>
-            <a:pPr marL="0" indent="0"/>
-            <a:r>
-              <a:rPr lang="de-CH" dirty="0"/>
-              <a:t>- Solide Basis </a:t>
-            </a:r>
-          </a:p>
-          <a:p>
             <a:pPr marL="0" lvl="0" indent="0" algn="l" rtl="0">
               <a:spcBef>
                 <a:spcPts val="0"/>
@@ -40728,7 +40705,7 @@
             </a:pPr>
             <a:r>
               <a:rPr lang="de-CH" dirty="0"/>
-              <a:t>- Frontend Testabdeckung / TDD</a:t>
+              <a:t>- UX - Optimierungen</a:t>
             </a:r>
           </a:p>
           <a:p>
@@ -41236,7 +41213,7 @@
         </p:nvSpPr>
         <p:spPr>
           <a:xfrm>
-            <a:off x="7335716" y="2263676"/>
+            <a:off x="7366492" y="2256816"/>
             <a:ext cx="1065895" cy="545907"/>
           </a:xfrm>
           <a:prstGeom prst="rect">
@@ -41289,7 +41266,7 @@
         </p:nvSpPr>
         <p:spPr>
           <a:xfrm>
-            <a:off x="5508592" y="3252276"/>
+            <a:off x="5425181" y="3072370"/>
             <a:ext cx="1065895" cy="572701"/>
           </a:xfrm>
           <a:prstGeom prst="rect">
@@ -41342,7 +41319,7 @@
         </p:nvSpPr>
         <p:spPr>
           <a:xfrm>
-            <a:off x="6747976" y="3252276"/>
+            <a:off x="6744583" y="3048128"/>
             <a:ext cx="1065895" cy="590083"/>
           </a:xfrm>
           <a:prstGeom prst="rect">
@@ -41395,7 +41372,7 @@
         </p:nvSpPr>
         <p:spPr>
           <a:xfrm>
-            <a:off x="6133590" y="2256818"/>
+            <a:off x="6111635" y="2263676"/>
             <a:ext cx="1065895" cy="545907"/>
           </a:xfrm>
           <a:prstGeom prst="rect">
@@ -41521,7 +41498,7 @@
                   <a:schemeClr val="tx1"/>
                 </a:solidFill>
               </a:rPr>
-              <a:t>Globale Store</a:t>
+              <a:t>Global Store</a:t>
             </a:r>
           </a:p>
         </p:txBody>
